--- a/iiif/tutorial-screenshots/IIIFScenarios.pptx
+++ b/iiif/tutorial-screenshots/IIIFScenarios.pptx
@@ -7616,8 +7616,8 @@
         </p:nvSpPr>
         <p:spPr>
           <a:xfrm>
-            <a:off x="4703050" y="3762700"/>
-            <a:ext cx="3870900" cy="945000"/>
+            <a:off x="3843575" y="3701725"/>
+            <a:ext cx="4764000" cy="945000"/>
           </a:xfrm>
           <a:prstGeom prst="rect">
             <a:avLst/>
@@ -7643,10 +7643,10 @@
               <a:buNone/>
             </a:pPr>
             <a:r>
-              <a:rPr lang="en" sz="1000"/>
+              <a:rPr lang="en"/>
               <a:t>In this example, each top level folder is processed as a unique manifest file that is assembled into a collection manifest file.</a:t>
             </a:r>
-            <a:endParaRPr sz="1000"/>
+            <a:endParaRPr/>
           </a:p>
           <a:p>
             <a:pPr indent="0" lvl="0" marL="0">
@@ -7661,23 +7661,23 @@
             <a:r>
               <a:t/>
             </a:r>
-            <a:endParaRPr sz="1000"/>
-          </a:p>
-          <a:p>
-            <a:pPr indent="0" lvl="0" marL="0" rtl="0">
-              <a:spcBef>
-                <a:spcPts val="0"/>
-              </a:spcBef>
-              <a:spcAft>
-                <a:spcPts val="0"/>
-              </a:spcAft>
-              <a:buNone/>
-            </a:pPr>
-            <a:r>
-              <a:rPr lang="en" sz="1000"/>
+            <a:endParaRPr/>
+          </a:p>
+          <a:p>
+            <a:pPr indent="0" lvl="0" marL="0" rtl="0">
+              <a:spcBef>
+                <a:spcPts val="0"/>
+              </a:spcBef>
+              <a:spcAft>
+                <a:spcPts val="0"/>
+              </a:spcAft>
+              <a:buNone/>
+            </a:pPr>
+            <a:r>
+              <a:rPr lang="en"/>
               <a:t>This approach would be particularly useful for handling individual issues of multi-page documents.</a:t>
             </a:r>
-            <a:endParaRPr sz="1000"/>
+            <a:endParaRPr/>
           </a:p>
         </p:txBody>
       </p:sp>
@@ -8814,10 +8814,10 @@
               <a:buNone/>
             </a:pPr>
             <a:r>
-              <a:rPr lang="en" sz="1000"/>
+              <a:rPr lang="en"/>
               <a:t>The basic use case.  Capture all files into the manifest file.</a:t>
             </a:r>
-            <a:endParaRPr sz="1000"/>
+            <a:endParaRPr/>
           </a:p>
         </p:txBody>
       </p:sp>
@@ -10203,10 +10203,10 @@
               <a:buNone/>
             </a:pPr>
             <a:r>
-              <a:rPr lang="en" sz="1000"/>
+              <a:rPr lang="en"/>
               <a:t>Use repository specific metadata files to augment the manifest contents.  In the case of DSpace, use the same metadata files used in pre-ingest SIP’s or post-ingest AIP’s.</a:t>
             </a:r>
-            <a:endParaRPr sz="1000"/>
+            <a:endParaRPr/>
           </a:p>
         </p:txBody>
       </p:sp>
@@ -11604,10 +11604,10 @@
               <a:buNone/>
             </a:pPr>
             <a:r>
-              <a:rPr lang="en" sz="1000"/>
+              <a:rPr lang="en"/>
               <a:t>Generate Range Index entries based on item metadata values.</a:t>
             </a:r>
-            <a:endParaRPr sz="1000"/>
+            <a:endParaRPr/>
           </a:p>
         </p:txBody>
       </p:sp>
@@ -13001,10 +13001,10 @@
               <a:buNone/>
             </a:pPr>
             <a:r>
-              <a:rPr lang="en" sz="1000"/>
+              <a:rPr lang="en"/>
               <a:t>Generate Range Index entries based on file system folder names.</a:t>
             </a:r>
-            <a:endParaRPr sz="1000"/>
+            <a:endParaRPr/>
           </a:p>
         </p:txBody>
       </p:sp>
@@ -14490,11 +14490,11 @@
             <a:avLst/>
           </a:prstGeom>
           <a:noFill/>
-          <a:ln cap="flat" cmpd="sng" w="9525">
-            <a:solidFill>
-              <a:schemeClr val="dk2"/>
-            </a:solidFill>
-            <a:prstDash val="dot"/>
+          <a:ln cap="flat" cmpd="sng" w="19050">
+            <a:solidFill>
+              <a:srgbClr val="FF0000"/>
+            </a:solidFill>
+            <a:prstDash val="dash"/>
             <a:round/>
             <a:headEnd len="med" w="med" type="none"/>
             <a:tailEnd len="med" w="med" type="triangle"/>
@@ -14519,11 +14519,11 @@
             <a:avLst/>
           </a:prstGeom>
           <a:noFill/>
-          <a:ln cap="flat" cmpd="sng" w="9525">
-            <a:solidFill>
-              <a:schemeClr val="dk2"/>
-            </a:solidFill>
-            <a:prstDash val="dot"/>
+          <a:ln cap="flat" cmpd="sng" w="19050">
+            <a:solidFill>
+              <a:srgbClr val="FF0000"/>
+            </a:solidFill>
+            <a:prstDash val="dash"/>
             <a:round/>
             <a:headEnd len="med" w="med" type="none"/>
             <a:tailEnd len="med" w="med" type="triangle"/>
@@ -14538,8 +14538,8 @@
         </p:nvSpPr>
         <p:spPr>
           <a:xfrm>
-            <a:off x="4282450" y="3733800"/>
-            <a:ext cx="3870900" cy="945000"/>
+            <a:off x="3566150" y="3733800"/>
+            <a:ext cx="4587300" cy="945000"/>
           </a:xfrm>
           <a:prstGeom prst="rect">
             <a:avLst/>
@@ -14555,27 +14555,39 @@
           </a:bodyPr>
           <a:lstStyle/>
           <a:p>
-            <a:pPr indent="0" lvl="0" marL="0" rtl="0">
-              <a:spcBef>
-                <a:spcPts val="0"/>
-              </a:spcBef>
-              <a:spcAft>
-                <a:spcPts val="0"/>
-              </a:spcAft>
-              <a:buNone/>
-            </a:pPr>
-            <a:r>
-              <a:rPr lang="en" sz="1000"/>
+            <a:pPr indent="0" lvl="0" marL="0">
+              <a:spcBef>
+                <a:spcPts val="0"/>
+              </a:spcBef>
+              <a:spcAft>
+                <a:spcPts val="0"/>
+              </a:spcAft>
+              <a:buNone/>
+            </a:pPr>
+            <a:r>
+              <a:rPr lang="en"/>
               <a:t>Generate Range Index entries based on EAD Container Descriptions.  File system folders are correlated with EAD container entries by naming conventions.</a:t>
             </a:r>
             <a:br>
-              <a:rPr lang="en" sz="1000"/>
+              <a:rPr lang="en"/>
             </a:br>
-            <a:r>
-              <a:rPr lang="en" sz="1000"/>
+            <a:endParaRPr/>
+          </a:p>
+          <a:p>
+            <a:pPr indent="0" lvl="0" marL="0" rtl="0">
+              <a:spcBef>
+                <a:spcPts val="0"/>
+              </a:spcBef>
+              <a:spcAft>
+                <a:spcPts val="0"/>
+              </a:spcAft>
+              <a:buNone/>
+            </a:pPr>
+            <a:r>
+              <a:rPr lang="en"/>
               <a:t>In case of folder name mismatches, also generate index entries for each folder that is discovered.</a:t>
             </a:r>
-            <a:endParaRPr sz="1000"/>
+            <a:endParaRPr/>
           </a:p>
         </p:txBody>
       </p:sp>
@@ -16018,11 +16030,11 @@
             <a:avLst/>
           </a:prstGeom>
           <a:noFill/>
-          <a:ln cap="flat" cmpd="sng" w="9525">
-            <a:solidFill>
-              <a:schemeClr val="dk2"/>
-            </a:solidFill>
-            <a:prstDash val="dot"/>
+          <a:ln cap="flat" cmpd="sng" w="19050">
+            <a:solidFill>
+              <a:srgbClr val="FF0000"/>
+            </a:solidFill>
+            <a:prstDash val="dash"/>
             <a:round/>
             <a:headEnd len="med" w="med" type="none"/>
             <a:tailEnd len="med" w="med" type="triangle"/>
@@ -16047,11 +16059,11 @@
             <a:avLst/>
           </a:prstGeom>
           <a:noFill/>
-          <a:ln cap="flat" cmpd="sng" w="9525">
-            <a:solidFill>
-              <a:schemeClr val="dk2"/>
-            </a:solidFill>
-            <a:prstDash val="dot"/>
+          <a:ln cap="flat" cmpd="sng" w="19050">
+            <a:solidFill>
+              <a:srgbClr val="FF0000"/>
+            </a:solidFill>
+            <a:prstDash val="dash"/>
             <a:round/>
             <a:headEnd len="med" w="med" type="none"/>
             <a:tailEnd len="med" w="med" type="triangle"/>
@@ -16093,10 +16105,10 @@
               <a:buNone/>
             </a:pPr>
             <a:r>
-              <a:rPr lang="en" sz="1000"/>
+              <a:rPr lang="en"/>
               <a:t>Generate Range Index entries based on EAD Container Descriptions.  File system folders are correlated with EAD container entries by naming conventions. This assumes that all folders are described in the EAD file.</a:t>
             </a:r>
-            <a:endParaRPr sz="1000"/>
+            <a:endParaRPr/>
           </a:p>
         </p:txBody>
       </p:sp>
@@ -17582,11 +17594,11 @@
             <a:avLst/>
           </a:prstGeom>
           <a:noFill/>
-          <a:ln cap="flat" cmpd="sng" w="9525">
-            <a:solidFill>
-              <a:schemeClr val="dk2"/>
-            </a:solidFill>
-            <a:prstDash val="dot"/>
+          <a:ln cap="flat" cmpd="sng" w="19050">
+            <a:solidFill>
+              <a:srgbClr val="FF0000"/>
+            </a:solidFill>
+            <a:prstDash val="dash"/>
             <a:round/>
             <a:headEnd len="med" w="med" type="none"/>
             <a:tailEnd len="med" w="med" type="triangle"/>
@@ -17611,11 +17623,11 @@
             <a:avLst/>
           </a:prstGeom>
           <a:noFill/>
-          <a:ln cap="flat" cmpd="sng" w="9525">
-            <a:solidFill>
-              <a:schemeClr val="dk2"/>
-            </a:solidFill>
-            <a:prstDash val="dot"/>
+          <a:ln cap="flat" cmpd="sng" w="19050">
+            <a:solidFill>
+              <a:srgbClr val="FF0000"/>
+            </a:solidFill>
+            <a:prstDash val="dash"/>
             <a:round/>
             <a:headEnd len="med" w="med" type="none"/>
             <a:tailEnd len="med" w="med" type="triangle"/>
@@ -17844,9 +17856,9 @@
             <a:avLst/>
           </a:prstGeom>
           <a:noFill/>
-          <a:ln cap="flat" cmpd="sng" w="9525">
-            <a:solidFill>
-              <a:schemeClr val="dk2"/>
+          <a:ln cap="flat" cmpd="sng" w="19050">
+            <a:solidFill>
+              <a:srgbClr val="FF0000"/>
             </a:solidFill>
             <a:prstDash val="solid"/>
             <a:round/>
@@ -17873,9 +17885,9 @@
             <a:avLst/>
           </a:prstGeom>
           <a:noFill/>
-          <a:ln cap="flat" cmpd="sng" w="9525">
-            <a:solidFill>
-              <a:schemeClr val="dk2"/>
+          <a:ln cap="flat" cmpd="sng" w="19050">
+            <a:solidFill>
+              <a:srgbClr val="FF0000"/>
             </a:solidFill>
             <a:prstDash val="solid"/>
             <a:round/>
@@ -17919,10 +17931,10 @@
               <a:buNone/>
             </a:pPr>
             <a:r>
-              <a:rPr lang="en" sz="1000"/>
+              <a:rPr lang="en"/>
               <a:t>In this example, file associations are made within the EAD as digital access objects (DAO’s) rather than relying on folder/container name matching.</a:t>
             </a:r>
-            <a:endParaRPr sz="1000"/>
+            <a:endParaRPr/>
           </a:p>
         </p:txBody>
       </p:sp>
@@ -19144,11 +19156,11 @@
             <a:avLst/>
           </a:prstGeom>
           <a:noFill/>
-          <a:ln cap="flat" cmpd="sng" w="9525">
-            <a:solidFill>
-              <a:schemeClr val="dk2"/>
-            </a:solidFill>
-            <a:prstDash val="dot"/>
+          <a:ln cap="flat" cmpd="sng" w="19050">
+            <a:solidFill>
+              <a:srgbClr val="FF0000"/>
+            </a:solidFill>
+            <a:prstDash val="dash"/>
             <a:round/>
             <a:headEnd len="med" w="med" type="none"/>
             <a:tailEnd len="med" w="med" type="triangle"/>
@@ -19173,11 +19185,11 @@
             <a:avLst/>
           </a:prstGeom>
           <a:noFill/>
-          <a:ln cap="flat" cmpd="sng" w="9525">
-            <a:solidFill>
-              <a:schemeClr val="dk2"/>
-            </a:solidFill>
-            <a:prstDash val="dot"/>
+          <a:ln cap="flat" cmpd="sng" w="19050">
+            <a:solidFill>
+              <a:srgbClr val="FF0000"/>
+            </a:solidFill>
+            <a:prstDash val="dash"/>
             <a:round/>
             <a:headEnd len="med" w="med" type="none"/>
             <a:tailEnd len="med" w="med" type="triangle"/>
@@ -19189,24 +19201,23 @@
           <p:cNvPr id="313" name="Shape 313"/>
           <p:cNvCxnSpPr>
             <a:stCxn id="293" idx="1"/>
-            <a:endCxn id="310" idx="0"/>
           </p:cNvCxnSpPr>
           <p:nvPr/>
         </p:nvCxnSpPr>
         <p:spPr>
           <a:xfrm flipH="1">
-            <a:off x="891653" y="2590939"/>
-            <a:ext cx="2169300" cy="1391400"/>
+            <a:off x="1059053" y="2590939"/>
+            <a:ext cx="2001900" cy="1379100"/>
           </a:xfrm>
           <a:prstGeom prst="straightConnector1">
             <a:avLst/>
           </a:prstGeom>
           <a:noFill/>
-          <a:ln cap="flat" cmpd="sng" w="9525">
-            <a:solidFill>
-              <a:schemeClr val="dk2"/>
-            </a:solidFill>
-            <a:prstDash val="dot"/>
+          <a:ln cap="flat" cmpd="sng" w="19050">
+            <a:solidFill>
+              <a:srgbClr val="FF0000"/>
+            </a:solidFill>
+            <a:prstDash val="dash"/>
             <a:round/>
             <a:headEnd len="med" w="med" type="none"/>
             <a:tailEnd len="med" w="med" type="triangle"/>
@@ -19218,24 +19229,23 @@
           <p:cNvPr id="314" name="Shape 314"/>
           <p:cNvCxnSpPr>
             <a:stCxn id="294" idx="1"/>
-            <a:endCxn id="310" idx="0"/>
           </p:cNvCxnSpPr>
           <p:nvPr/>
         </p:nvCxnSpPr>
         <p:spPr>
           <a:xfrm flipH="1">
-            <a:off x="891419" y="2590939"/>
-            <a:ext cx="3174600" cy="1391400"/>
+            <a:off x="1188719" y="2590939"/>
+            <a:ext cx="2877300" cy="1409700"/>
           </a:xfrm>
           <a:prstGeom prst="straightConnector1">
             <a:avLst/>
           </a:prstGeom>
           <a:noFill/>
-          <a:ln cap="flat" cmpd="sng" w="9525">
-            <a:solidFill>
-              <a:schemeClr val="dk2"/>
-            </a:solidFill>
-            <a:prstDash val="dot"/>
+          <a:ln cap="flat" cmpd="sng" w="19050">
+            <a:solidFill>
+              <a:srgbClr val="FF0000"/>
+            </a:solidFill>
+            <a:prstDash val="dash"/>
             <a:round/>
             <a:headEnd len="med" w="med" type="none"/>
             <a:tailEnd len="med" w="med" type="triangle"/>
@@ -19250,8 +19260,8 @@
         </p:nvSpPr>
         <p:spPr>
           <a:xfrm>
-            <a:off x="4703050" y="3762700"/>
-            <a:ext cx="3870900" cy="945000"/>
+            <a:off x="4511050" y="3762700"/>
+            <a:ext cx="4062900" cy="945000"/>
           </a:xfrm>
           <a:prstGeom prst="rect">
             <a:avLst/>
@@ -19277,26 +19287,25 @@
               <a:buNone/>
             </a:pPr>
             <a:r>
-              <a:rPr lang="en" sz="1000"/>
+              <a:rPr lang="en"/>
               <a:t>In this example, metadata is authored for each object in a CSV file. This metadata may or may not match the metadata within the repository.  </a:t>
             </a:r>
-            <a:endParaRPr sz="1000"/>
-          </a:p>
-          <a:p>
-            <a:pPr indent="0" lvl="0" marL="0" rtl="0">
-              <a:spcBef>
-                <a:spcPts val="0"/>
-              </a:spcBef>
-              <a:spcAft>
-                <a:spcPts val="0"/>
-              </a:spcAft>
-              <a:buNone/>
-            </a:pPr>
-            <a:r>
-              <a:rPr lang="en" sz="1000"/>
-              <a:t>This approach could support the integration of context and annotations that are separate from the objects’ descriptive metadata.</a:t>
-            </a:r>
-            <a:endParaRPr sz="1000"/>
+            <a:endParaRPr/>
+          </a:p>
+          <a:p>
+            <a:pPr indent="0" lvl="0" marL="0" rtl="0">
+              <a:spcBef>
+                <a:spcPts val="0"/>
+              </a:spcBef>
+              <a:spcAft>
+                <a:spcPts val="0"/>
+              </a:spcAft>
+              <a:buNone/>
+            </a:pPr>
+            <a:r>
+              <a:t/>
+            </a:r>
+            <a:endParaRPr/>
           </a:p>
         </p:txBody>
       </p:sp>

--- a/iiif/tutorial-screenshots/IIIFScenarios.pptx
+++ b/iiif/tutorial-screenshots/IIIFScenarios.pptx
@@ -19142,15 +19142,15 @@
         <p:nvCxnSpPr>
           <p:cNvPr id="311" name="Shape 311"/>
           <p:cNvCxnSpPr>
-            <a:stCxn id="290" idx="1"/>
+            <a:stCxn id="295" idx="2"/>
             <a:endCxn id="310" idx="0"/>
           </p:cNvCxnSpPr>
           <p:nvPr/>
         </p:nvCxnSpPr>
         <p:spPr>
-          <a:xfrm flipH="1">
-            <a:off x="891625" y="2590939"/>
-            <a:ext cx="17700" cy="1391400"/>
+          <a:xfrm>
+            <a:off x="876300" y="3048000"/>
+            <a:ext cx="15300" cy="934200"/>
           </a:xfrm>
           <a:prstGeom prst="straightConnector1">
             <a:avLst/>
@@ -19171,15 +19171,15 @@
         <p:nvCxnSpPr>
           <p:cNvPr id="312" name="Shape 312"/>
           <p:cNvCxnSpPr>
-            <a:stCxn id="292" idx="1"/>
+            <a:stCxn id="296" idx="2"/>
             <a:endCxn id="310" idx="0"/>
           </p:cNvCxnSpPr>
           <p:nvPr/>
         </p:nvCxnSpPr>
         <p:spPr>
           <a:xfrm flipH="1">
-            <a:off x="891488" y="2590939"/>
-            <a:ext cx="1003500" cy="1391400"/>
+            <a:off x="891600" y="3048000"/>
+            <a:ext cx="975300" cy="934200"/>
           </a:xfrm>
           <a:prstGeom prst="straightConnector1">
             <a:avLst/>
@@ -19200,14 +19200,14 @@
         <p:nvCxnSpPr>
           <p:cNvPr id="313" name="Shape 313"/>
           <p:cNvCxnSpPr>
-            <a:stCxn id="293" idx="1"/>
+            <a:stCxn id="298" idx="2"/>
           </p:cNvCxnSpPr>
           <p:nvPr/>
         </p:nvCxnSpPr>
         <p:spPr>
           <a:xfrm flipH="1">
-            <a:off x="1059053" y="2590939"/>
-            <a:ext cx="2001900" cy="1379100"/>
+            <a:off x="1059000" y="3048000"/>
+            <a:ext cx="2027100" cy="921900"/>
           </a:xfrm>
           <a:prstGeom prst="straightConnector1">
             <a:avLst/>
@@ -19228,14 +19228,14 @@
         <p:nvCxnSpPr>
           <p:cNvPr id="314" name="Shape 314"/>
           <p:cNvCxnSpPr>
-            <a:stCxn id="294" idx="1"/>
+            <a:stCxn id="297" idx="2"/>
           </p:cNvCxnSpPr>
           <p:nvPr/>
         </p:nvCxnSpPr>
         <p:spPr>
           <a:xfrm flipH="1">
-            <a:off x="1188719" y="2590939"/>
-            <a:ext cx="2877300" cy="1409700"/>
+            <a:off x="1188600" y="3048000"/>
+            <a:ext cx="2888100" cy="952500"/>
           </a:xfrm>
           <a:prstGeom prst="straightConnector1">
             <a:avLst/>
@@ -19318,6 +19318,285 @@
 </file>
 
 <file path=ppt/theme/theme1.xml><?xml version="1.0" encoding="utf-8"?>
+<a:theme xmlns:a="http://schemas.openxmlformats.org/drawingml/2006/main" xmlns:r="http://schemas.openxmlformats.org/officeDocument/2006/relationships">
+  <a:themeElements>
+    <a:clrScheme name="Default">
+      <a:dk1>
+        <a:srgbClr val="000000"/>
+      </a:dk1>
+      <a:lt1>
+        <a:srgbClr val="FFFFFF"/>
+      </a:lt1>
+      <a:dk2>
+        <a:srgbClr val="158158"/>
+      </a:dk2>
+      <a:lt2>
+        <a:srgbClr val="F3F3F3"/>
+      </a:lt2>
+      <a:accent1>
+        <a:srgbClr val="058DC7"/>
+      </a:accent1>
+      <a:accent2>
+        <a:srgbClr val="50B432"/>
+      </a:accent2>
+      <a:accent3>
+        <a:srgbClr val="ED561B"/>
+      </a:accent3>
+      <a:accent4>
+        <a:srgbClr val="EDEF00"/>
+      </a:accent4>
+      <a:accent5>
+        <a:srgbClr val="24CBE5"/>
+      </a:accent5>
+      <a:accent6>
+        <a:srgbClr val="64E572"/>
+      </a:accent6>
+      <a:hlink>
+        <a:srgbClr val="2200CC"/>
+      </a:hlink>
+      <a:folHlink>
+        <a:srgbClr val="551A8B"/>
+      </a:folHlink>
+    </a:clrScheme>
+    <a:fontScheme name="Office">
+      <a:majorFont>
+        <a:latin typeface="Arial"/>
+        <a:ea typeface=""/>
+        <a:cs typeface=""/>
+        <a:font script="Jpan" typeface="ＭＳ Ｐゴシック"/>
+        <a:font script="Hang" typeface="맑은 고딕"/>
+        <a:font script="Hans" typeface="宋体"/>
+        <a:font script="Hant" typeface="新細明體"/>
+        <a:font script="Arab" typeface="Times New Roman"/>
+        <a:font script="Hebr" typeface="Times New Roman"/>
+        <a:font script="Thai" typeface="Angsana New"/>
+        <a:font script="Ethi" typeface="Nyala"/>
+        <a:font script="Beng" typeface="Vrinda"/>
+        <a:font script="Gujr" typeface="Shruti"/>
+        <a:font script="Khmr" typeface="MoolBoran"/>
+        <a:font script="Knda" typeface="Tunga"/>
+        <a:font script="Guru" typeface="Raavi"/>
+        <a:font script="Cans" typeface="Euphemia"/>
+        <a:font script="Cher" typeface="Plantagenet Cherokee"/>
+        <a:font script="Yiii" typeface="Microsoft Yi Baiti"/>
+        <a:font script="Tibt" typeface="Microsoft Himalaya"/>
+        <a:font script="Thaa" typeface="MV Boli"/>
+        <a:font script="Deva" typeface="Mangal"/>
+        <a:font script="Telu" typeface="Gautami"/>
+        <a:font script="Taml" typeface="Latha"/>
+        <a:font script="Syrc" typeface="Estrangelo Edessa"/>
+        <a:font script="Orya" typeface="Kalinga"/>
+        <a:font script="Mlym" typeface="Kartika"/>
+        <a:font script="Laoo" typeface="DokChampa"/>
+        <a:font script="Sinh" typeface="Iskoola Pota"/>
+        <a:font script="Mong" typeface="Mongolian Baiti"/>
+        <a:font script="Viet" typeface="Times New Roman"/>
+        <a:font script="Uigh" typeface="Microsoft Uighur"/>
+        <a:font script="Geor" typeface="Sylfaen"/>
+      </a:majorFont>
+      <a:minorFont>
+        <a:latin typeface="Arial"/>
+        <a:ea typeface=""/>
+        <a:cs typeface=""/>
+        <a:font script="Jpan" typeface="ＭＳ Ｐゴシック"/>
+        <a:font script="Hang" typeface="맑은 고딕"/>
+        <a:font script="Hans" typeface="宋体"/>
+        <a:font script="Hant" typeface="新細明體"/>
+        <a:font script="Arab" typeface="Arial"/>
+        <a:font script="Hebr" typeface="Arial"/>
+        <a:font script="Thai" typeface="Cordia New"/>
+        <a:font script="Ethi" typeface="Nyala"/>
+        <a:font script="Beng" typeface="Vrinda"/>
+        <a:font script="Gujr" typeface="Shruti"/>
+        <a:font script="Khmr" typeface="DaunPenh"/>
+        <a:font script="Knda" typeface="Tunga"/>
+        <a:font script="Guru" typeface="Raavi"/>
+        <a:font script="Cans" typeface="Euphemia"/>
+        <a:font script="Cher" typeface="Plantagenet Cherokee"/>
+        <a:font script="Yiii" typeface="Microsoft Yi Baiti"/>
+        <a:font script="Tibt" typeface="Microsoft Himalaya"/>
+        <a:font script="Thaa" typeface="MV Boli"/>
+        <a:font script="Deva" typeface="Mangal"/>
+        <a:font script="Telu" typeface="Gautami"/>
+        <a:font script="Taml" typeface="Latha"/>
+        <a:font script="Syrc" typeface="Estrangelo Edessa"/>
+        <a:font script="Orya" typeface="Kalinga"/>
+        <a:font script="Mlym" typeface="Kartika"/>
+        <a:font script="Laoo" typeface="DokChampa"/>
+        <a:font script="Sinh" typeface="Iskoola Pota"/>
+        <a:font script="Mong" typeface="Mongolian Baiti"/>
+        <a:font script="Viet" typeface="Arial"/>
+        <a:font script="Uigh" typeface="Microsoft Uighur"/>
+        <a:font script="Geor" typeface="Sylfaen"/>
+      </a:minorFont>
+    </a:fontScheme>
+    <a:fmtScheme name="Office">
+      <a:fillStyleLst>
+        <a:solidFill>
+          <a:schemeClr val="phClr"/>
+        </a:solidFill>
+        <a:gradFill rotWithShape="1">
+          <a:gsLst>
+            <a:gs pos="0">
+              <a:schemeClr val="phClr">
+                <a:tint val="50000"/>
+                <a:satMod val="300000"/>
+              </a:schemeClr>
+            </a:gs>
+            <a:gs pos="35000">
+              <a:schemeClr val="phClr">
+                <a:tint val="37000"/>
+                <a:satMod val="300000"/>
+              </a:schemeClr>
+            </a:gs>
+            <a:gs pos="100000">
+              <a:schemeClr val="phClr">
+                <a:tint val="15000"/>
+                <a:satMod val="350000"/>
+              </a:schemeClr>
+            </a:gs>
+          </a:gsLst>
+          <a:lin ang="16200000" scaled="1"/>
+        </a:gradFill>
+        <a:gradFill rotWithShape="1">
+          <a:gsLst>
+            <a:gs pos="0">
+              <a:schemeClr val="phClr">
+                <a:tint val="100000"/>
+                <a:shade val="100000"/>
+                <a:satMod val="130000"/>
+              </a:schemeClr>
+            </a:gs>
+            <a:gs pos="100000">
+              <a:schemeClr val="phClr">
+                <a:tint val="50000"/>
+                <a:shade val="100000"/>
+                <a:satMod val="350000"/>
+              </a:schemeClr>
+            </a:gs>
+          </a:gsLst>
+          <a:lin ang="16200000" scaled="0"/>
+        </a:gradFill>
+      </a:fillStyleLst>
+      <a:lnStyleLst>
+        <a:ln w="9525" cap="flat" cmpd="sng" algn="ctr">
+          <a:solidFill>
+            <a:schemeClr val="phClr">
+              <a:shade val="95000"/>
+              <a:satMod val="105000"/>
+            </a:schemeClr>
+          </a:solidFill>
+          <a:prstDash val="solid"/>
+        </a:ln>
+        <a:ln w="25400" cap="flat" cmpd="sng" algn="ctr">
+          <a:solidFill>
+            <a:schemeClr val="phClr"/>
+          </a:solidFill>
+          <a:prstDash val="solid"/>
+        </a:ln>
+        <a:ln w="38100" cap="flat" cmpd="sng" algn="ctr">
+          <a:solidFill>
+            <a:schemeClr val="phClr"/>
+          </a:solidFill>
+          <a:prstDash val="solid"/>
+        </a:ln>
+      </a:lnStyleLst>
+      <a:effectStyleLst>
+        <a:effectStyle>
+          <a:effectLst>
+            <a:outerShdw blurRad="40000" dist="20000" dir="5400000" rotWithShape="0">
+              <a:srgbClr val="000000">
+                <a:alpha val="38000"/>
+              </a:srgbClr>
+            </a:outerShdw>
+          </a:effectLst>
+        </a:effectStyle>
+        <a:effectStyle>
+          <a:effectLst>
+            <a:outerShdw blurRad="40000" dist="23000" dir="5400000" rotWithShape="0">
+              <a:srgbClr val="000000">
+                <a:alpha val="35000"/>
+              </a:srgbClr>
+            </a:outerShdw>
+          </a:effectLst>
+        </a:effectStyle>
+        <a:effectStyle>
+          <a:effectLst>
+            <a:outerShdw blurRad="40000" dist="23000" dir="5400000" rotWithShape="0">
+              <a:srgbClr val="000000">
+                <a:alpha val="35000"/>
+              </a:srgbClr>
+            </a:outerShdw>
+          </a:effectLst>
+          <a:scene3d>
+            <a:camera prst="orthographicFront">
+              <a:rot lat="0" lon="0" rev="0"/>
+            </a:camera>
+            <a:lightRig rig="threePt" dir="t">
+              <a:rot lat="0" lon="0" rev="1200000"/>
+            </a:lightRig>
+          </a:scene3d>
+          <a:sp3d>
+            <a:bevelT w="63500" h="25400"/>
+          </a:sp3d>
+        </a:effectStyle>
+      </a:effectStyleLst>
+      <a:bgFillStyleLst>
+        <a:solidFill>
+          <a:schemeClr val="phClr"/>
+        </a:solidFill>
+        <a:gradFill rotWithShape="1">
+          <a:gsLst>
+            <a:gs pos="0">
+              <a:schemeClr val="phClr">
+                <a:tint val="40000"/>
+                <a:satMod val="350000"/>
+              </a:schemeClr>
+            </a:gs>
+            <a:gs pos="40000">
+              <a:schemeClr val="phClr">
+                <a:tint val="45000"/>
+                <a:shade val="99000"/>
+                <a:satMod val="350000"/>
+              </a:schemeClr>
+            </a:gs>
+            <a:gs pos="100000">
+              <a:schemeClr val="phClr">
+                <a:shade val="20000"/>
+                <a:satMod val="255000"/>
+              </a:schemeClr>
+            </a:gs>
+          </a:gsLst>
+          <a:path path="circle">
+            <a:fillToRect l="50000" t="-80000" r="50000" b="180000"/>
+          </a:path>
+        </a:gradFill>
+        <a:gradFill rotWithShape="1">
+          <a:gsLst>
+            <a:gs pos="0">
+              <a:schemeClr val="phClr">
+                <a:tint val="80000"/>
+                <a:satMod val="300000"/>
+              </a:schemeClr>
+            </a:gs>
+            <a:gs pos="100000">
+              <a:schemeClr val="phClr">
+                <a:shade val="30000"/>
+                <a:satMod val="200000"/>
+              </a:schemeClr>
+            </a:gs>
+          </a:gsLst>
+          <a:path path="circle">
+            <a:fillToRect l="50000" t="50000" r="50000" b="50000"/>
+          </a:path>
+        </a:gradFill>
+      </a:bgFillStyleLst>
+    </a:fmtScheme>
+  </a:themeElements>
+</a:theme>
+</file>
+
+<file path=ppt/theme/theme2.xml><?xml version="1.0" encoding="utf-8"?>
 <a:theme xmlns:a="http://schemas.openxmlformats.org/drawingml/2006/main" xmlns:r="http://schemas.openxmlformats.org/officeDocument/2006/relationships" name="Simple Light">
   <a:themeElements>
     <a:clrScheme name="Simple Light">
@@ -19594,283 +19873,4 @@
     </a:fmtScheme>
   </a:themeElements>
 </a:theme>
-</file>
-
-<file path=ppt/theme/theme2.xml><?xml version="1.0" encoding="utf-8"?>
-<a:theme xmlns:a="http://schemas.openxmlformats.org/drawingml/2006/main" xmlns:r="http://schemas.openxmlformats.org/officeDocument/2006/relationships">
-  <a:themeElements>
-    <a:clrScheme name="Default">
-      <a:dk1>
-        <a:srgbClr val="000000"/>
-      </a:dk1>
-      <a:lt1>
-        <a:srgbClr val="FFFFFF"/>
-      </a:lt1>
-      <a:dk2>
-        <a:srgbClr val="158158"/>
-      </a:dk2>
-      <a:lt2>
-        <a:srgbClr val="F3F3F3"/>
-      </a:lt2>
-      <a:accent1>
-        <a:srgbClr val="058DC7"/>
-      </a:accent1>
-      <a:accent2>
-        <a:srgbClr val="50B432"/>
-      </a:accent2>
-      <a:accent3>
-        <a:srgbClr val="ED561B"/>
-      </a:accent3>
-      <a:accent4>
-        <a:srgbClr val="EDEF00"/>
-      </a:accent4>
-      <a:accent5>
-        <a:srgbClr val="24CBE5"/>
-      </a:accent5>
-      <a:accent6>
-        <a:srgbClr val="64E572"/>
-      </a:accent6>
-      <a:hlink>
-        <a:srgbClr val="2200CC"/>
-      </a:hlink>
-      <a:folHlink>
-        <a:srgbClr val="551A8B"/>
-      </a:folHlink>
-    </a:clrScheme>
-    <a:fontScheme name="Office">
-      <a:majorFont>
-        <a:latin typeface="Arial"/>
-        <a:ea typeface=""/>
-        <a:cs typeface=""/>
-        <a:font script="Jpan" typeface="ＭＳ Ｐゴシック"/>
-        <a:font script="Hang" typeface="맑은 고딕"/>
-        <a:font script="Hans" typeface="宋体"/>
-        <a:font script="Hant" typeface="新細明體"/>
-        <a:font script="Arab" typeface="Times New Roman"/>
-        <a:font script="Hebr" typeface="Times New Roman"/>
-        <a:font script="Thai" typeface="Angsana New"/>
-        <a:font script="Ethi" typeface="Nyala"/>
-        <a:font script="Beng" typeface="Vrinda"/>
-        <a:font script="Gujr" typeface="Shruti"/>
-        <a:font script="Khmr" typeface="MoolBoran"/>
-        <a:font script="Knda" typeface="Tunga"/>
-        <a:font script="Guru" typeface="Raavi"/>
-        <a:font script="Cans" typeface="Euphemia"/>
-        <a:font script="Cher" typeface="Plantagenet Cherokee"/>
-        <a:font script="Yiii" typeface="Microsoft Yi Baiti"/>
-        <a:font script="Tibt" typeface="Microsoft Himalaya"/>
-        <a:font script="Thaa" typeface="MV Boli"/>
-        <a:font script="Deva" typeface="Mangal"/>
-        <a:font script="Telu" typeface="Gautami"/>
-        <a:font script="Taml" typeface="Latha"/>
-        <a:font script="Syrc" typeface="Estrangelo Edessa"/>
-        <a:font script="Orya" typeface="Kalinga"/>
-        <a:font script="Mlym" typeface="Kartika"/>
-        <a:font script="Laoo" typeface="DokChampa"/>
-        <a:font script="Sinh" typeface="Iskoola Pota"/>
-        <a:font script="Mong" typeface="Mongolian Baiti"/>
-        <a:font script="Viet" typeface="Times New Roman"/>
-        <a:font script="Uigh" typeface="Microsoft Uighur"/>
-        <a:font script="Geor" typeface="Sylfaen"/>
-      </a:majorFont>
-      <a:minorFont>
-        <a:latin typeface="Arial"/>
-        <a:ea typeface=""/>
-        <a:cs typeface=""/>
-        <a:font script="Jpan" typeface="ＭＳ Ｐゴシック"/>
-        <a:font script="Hang" typeface="맑은 고딕"/>
-        <a:font script="Hans" typeface="宋体"/>
-        <a:font script="Hant" typeface="新細明體"/>
-        <a:font script="Arab" typeface="Arial"/>
-        <a:font script="Hebr" typeface="Arial"/>
-        <a:font script="Thai" typeface="Cordia New"/>
-        <a:font script="Ethi" typeface="Nyala"/>
-        <a:font script="Beng" typeface="Vrinda"/>
-        <a:font script="Gujr" typeface="Shruti"/>
-        <a:font script="Khmr" typeface="DaunPenh"/>
-        <a:font script="Knda" typeface="Tunga"/>
-        <a:font script="Guru" typeface="Raavi"/>
-        <a:font script="Cans" typeface="Euphemia"/>
-        <a:font script="Cher" typeface="Plantagenet Cherokee"/>
-        <a:font script="Yiii" typeface="Microsoft Yi Baiti"/>
-        <a:font script="Tibt" typeface="Microsoft Himalaya"/>
-        <a:font script="Thaa" typeface="MV Boli"/>
-        <a:font script="Deva" typeface="Mangal"/>
-        <a:font script="Telu" typeface="Gautami"/>
-        <a:font script="Taml" typeface="Latha"/>
-        <a:font script="Syrc" typeface="Estrangelo Edessa"/>
-        <a:font script="Orya" typeface="Kalinga"/>
-        <a:font script="Mlym" typeface="Kartika"/>
-        <a:font script="Laoo" typeface="DokChampa"/>
-        <a:font script="Sinh" typeface="Iskoola Pota"/>
-        <a:font script="Mong" typeface="Mongolian Baiti"/>
-        <a:font script="Viet" typeface="Arial"/>
-        <a:font script="Uigh" typeface="Microsoft Uighur"/>
-        <a:font script="Geor" typeface="Sylfaen"/>
-      </a:minorFont>
-    </a:fontScheme>
-    <a:fmtScheme name="Office">
-      <a:fillStyleLst>
-        <a:solidFill>
-          <a:schemeClr val="phClr"/>
-        </a:solidFill>
-        <a:gradFill rotWithShape="1">
-          <a:gsLst>
-            <a:gs pos="0">
-              <a:schemeClr val="phClr">
-                <a:tint val="50000"/>
-                <a:satMod val="300000"/>
-              </a:schemeClr>
-            </a:gs>
-            <a:gs pos="35000">
-              <a:schemeClr val="phClr">
-                <a:tint val="37000"/>
-                <a:satMod val="300000"/>
-              </a:schemeClr>
-            </a:gs>
-            <a:gs pos="100000">
-              <a:schemeClr val="phClr">
-                <a:tint val="15000"/>
-                <a:satMod val="350000"/>
-              </a:schemeClr>
-            </a:gs>
-          </a:gsLst>
-          <a:lin ang="16200000" scaled="1"/>
-        </a:gradFill>
-        <a:gradFill rotWithShape="1">
-          <a:gsLst>
-            <a:gs pos="0">
-              <a:schemeClr val="phClr">
-                <a:tint val="100000"/>
-                <a:shade val="100000"/>
-                <a:satMod val="130000"/>
-              </a:schemeClr>
-            </a:gs>
-            <a:gs pos="100000">
-              <a:schemeClr val="phClr">
-                <a:tint val="50000"/>
-                <a:shade val="100000"/>
-                <a:satMod val="350000"/>
-              </a:schemeClr>
-            </a:gs>
-          </a:gsLst>
-          <a:lin ang="16200000" scaled="0"/>
-        </a:gradFill>
-      </a:fillStyleLst>
-      <a:lnStyleLst>
-        <a:ln w="9525" cap="flat" cmpd="sng" algn="ctr">
-          <a:solidFill>
-            <a:schemeClr val="phClr">
-              <a:shade val="95000"/>
-              <a:satMod val="105000"/>
-            </a:schemeClr>
-          </a:solidFill>
-          <a:prstDash val="solid"/>
-        </a:ln>
-        <a:ln w="25400" cap="flat" cmpd="sng" algn="ctr">
-          <a:solidFill>
-            <a:schemeClr val="phClr"/>
-          </a:solidFill>
-          <a:prstDash val="solid"/>
-        </a:ln>
-        <a:ln w="38100" cap="flat" cmpd="sng" algn="ctr">
-          <a:solidFill>
-            <a:schemeClr val="phClr"/>
-          </a:solidFill>
-          <a:prstDash val="solid"/>
-        </a:ln>
-      </a:lnStyleLst>
-      <a:effectStyleLst>
-        <a:effectStyle>
-          <a:effectLst>
-            <a:outerShdw blurRad="40000" dist="20000" dir="5400000" rotWithShape="0">
-              <a:srgbClr val="000000">
-                <a:alpha val="38000"/>
-              </a:srgbClr>
-            </a:outerShdw>
-          </a:effectLst>
-        </a:effectStyle>
-        <a:effectStyle>
-          <a:effectLst>
-            <a:outerShdw blurRad="40000" dist="23000" dir="5400000" rotWithShape="0">
-              <a:srgbClr val="000000">
-                <a:alpha val="35000"/>
-              </a:srgbClr>
-            </a:outerShdw>
-          </a:effectLst>
-        </a:effectStyle>
-        <a:effectStyle>
-          <a:effectLst>
-            <a:outerShdw blurRad="40000" dist="23000" dir="5400000" rotWithShape="0">
-              <a:srgbClr val="000000">
-                <a:alpha val="35000"/>
-              </a:srgbClr>
-            </a:outerShdw>
-          </a:effectLst>
-          <a:scene3d>
-            <a:camera prst="orthographicFront">
-              <a:rot lat="0" lon="0" rev="0"/>
-            </a:camera>
-            <a:lightRig rig="threePt" dir="t">
-              <a:rot lat="0" lon="0" rev="1200000"/>
-            </a:lightRig>
-          </a:scene3d>
-          <a:sp3d>
-            <a:bevelT w="63500" h="25400"/>
-          </a:sp3d>
-        </a:effectStyle>
-      </a:effectStyleLst>
-      <a:bgFillStyleLst>
-        <a:solidFill>
-          <a:schemeClr val="phClr"/>
-        </a:solidFill>
-        <a:gradFill rotWithShape="1">
-          <a:gsLst>
-            <a:gs pos="0">
-              <a:schemeClr val="phClr">
-                <a:tint val="40000"/>
-                <a:satMod val="350000"/>
-              </a:schemeClr>
-            </a:gs>
-            <a:gs pos="40000">
-              <a:schemeClr val="phClr">
-                <a:tint val="45000"/>
-                <a:shade val="99000"/>
-                <a:satMod val="350000"/>
-              </a:schemeClr>
-            </a:gs>
-            <a:gs pos="100000">
-              <a:schemeClr val="phClr">
-                <a:shade val="20000"/>
-                <a:satMod val="255000"/>
-              </a:schemeClr>
-            </a:gs>
-          </a:gsLst>
-          <a:path path="circle">
-            <a:fillToRect l="50000" t="-80000" r="50000" b="180000"/>
-          </a:path>
-        </a:gradFill>
-        <a:gradFill rotWithShape="1">
-          <a:gsLst>
-            <a:gs pos="0">
-              <a:schemeClr val="phClr">
-                <a:tint val="80000"/>
-                <a:satMod val="300000"/>
-              </a:schemeClr>
-            </a:gs>
-            <a:gs pos="100000">
-              <a:schemeClr val="phClr">
-                <a:shade val="30000"/>
-                <a:satMod val="200000"/>
-              </a:schemeClr>
-            </a:gs>
-          </a:gsLst>
-          <a:path path="circle">
-            <a:fillToRect l="50000" t="50000" r="50000" b="50000"/>
-          </a:path>
-        </a:gradFill>
-      </a:bgFillStyleLst>
-    </a:fmtScheme>
-  </a:themeElements>
-</a:theme>
 </file>